--- a/uvlightsensor.pptx
+++ b/uvlightsensor.pptx
@@ -5,7 +5,7 @@
     <p:sldMasterId id="2147483659" r:id="rId1"/>
   </p:sldMasterIdLst>
   <p:notesMasterIdLst>
-    <p:notesMasterId r:id="rId18"/>
+    <p:notesMasterId r:id="rId19"/>
   </p:notesMasterIdLst>
   <p:sldIdLst>
     <p:sldId id="256" r:id="rId2"/>
@@ -20,51 +20,52 @@
     <p:sldId id="267" r:id="rId11"/>
     <p:sldId id="272" r:id="rId12"/>
     <p:sldId id="296" r:id="rId13"/>
-    <p:sldId id="297" r:id="rId14"/>
-    <p:sldId id="301" r:id="rId15"/>
-    <p:sldId id="277" r:id="rId16"/>
-    <p:sldId id="278" r:id="rId17"/>
+    <p:sldId id="302" r:id="rId14"/>
+    <p:sldId id="297" r:id="rId15"/>
+    <p:sldId id="301" r:id="rId16"/>
+    <p:sldId id="277" r:id="rId17"/>
+    <p:sldId id="278" r:id="rId18"/>
   </p:sldIdLst>
   <p:sldSz cx="9144000" cy="5143500" type="screen16x9"/>
   <p:notesSz cx="6858000" cy="9144000"/>
   <p:embeddedFontLst>
     <p:embeddedFont>
+      <p:font typeface="Source Sans Pro" panose="020B0604020202020204" charset="0"/>
+      <p:regular r:id="rId20"/>
+      <p:bold r:id="rId21"/>
+      <p:italic r:id="rId22"/>
+      <p:boldItalic r:id="rId23"/>
+    </p:embeddedFont>
+    <p:embeddedFont>
       <p:font typeface="Calibri" panose="020F0502020204030204" pitchFamily="34" charset="0"/>
-      <p:regular r:id="rId19"/>
-      <p:bold r:id="rId20"/>
-      <p:italic r:id="rId21"/>
-      <p:boldItalic r:id="rId22"/>
+      <p:regular r:id="rId24"/>
+      <p:bold r:id="rId25"/>
+      <p:italic r:id="rId26"/>
+      <p:boldItalic r:id="rId27"/>
+    </p:embeddedFont>
+    <p:embeddedFont>
+      <p:font typeface="Oswald" panose="020B0604020202020204" charset="0"/>
+      <p:regular r:id="rId28"/>
+      <p:bold r:id="rId29"/>
     </p:embeddedFont>
     <p:embeddedFont>
       <p:font typeface="Verdana" panose="020B0604030504040204" pitchFamily="34" charset="0"/>
-      <p:regular r:id="rId23"/>
-      <p:bold r:id="rId24"/>
-      <p:italic r:id="rId25"/>
-      <p:boldItalic r:id="rId26"/>
+      <p:regular r:id="rId30"/>
+      <p:bold r:id="rId31"/>
+      <p:italic r:id="rId32"/>
+      <p:boldItalic r:id="rId33"/>
     </p:embeddedFont>
     <p:embeddedFont>
       <p:font typeface="Segoe UI" panose="020B0502040204020203" pitchFamily="34" charset="0"/>
-      <p:regular r:id="rId27"/>
-      <p:bold r:id="rId28"/>
-      <p:italic r:id="rId29"/>
-      <p:boldItalic r:id="rId30"/>
+      <p:regular r:id="rId34"/>
+      <p:bold r:id="rId35"/>
+      <p:italic r:id="rId36"/>
+      <p:boldItalic r:id="rId37"/>
     </p:embeddedFont>
     <p:embeddedFont>
       <p:font typeface="Darker Grotesque" panose="020B0604020202020204" charset="0"/>
-      <p:regular r:id="rId31"/>
-      <p:bold r:id="rId32"/>
-    </p:embeddedFont>
-    <p:embeddedFont>
-      <p:font typeface="Oswald" panose="020B0604020202020204" charset="0"/>
-      <p:regular r:id="rId33"/>
-      <p:bold r:id="rId34"/>
-    </p:embeddedFont>
-    <p:embeddedFont>
-      <p:font typeface="Source Sans Pro" panose="020B0604020202020204" charset="0"/>
-      <p:regular r:id="rId35"/>
-      <p:bold r:id="rId36"/>
-      <p:italic r:id="rId37"/>
-      <p:boldItalic r:id="rId38"/>
+      <p:regular r:id="rId38"/>
+      <p:bold r:id="rId39"/>
     </p:embeddedFont>
   </p:embeddedFontLst>
   <p:defaultTextStyle>
@@ -1285,7 +1286,7 @@
     </p:spTree>
     <p:extLst>
       <p:ext uri="{BB962C8B-B14F-4D97-AF65-F5344CB8AC3E}">
-        <p14:creationId xmlns:p14="http://schemas.microsoft.com/office/powerpoint/2010/main" val="80452426"/>
+        <p14:creationId xmlns:p14="http://schemas.microsoft.com/office/powerpoint/2010/main" val="2000007706"/>
       </p:ext>
     </p:extLst>
   </p:cSld>
@@ -1394,6 +1395,115 @@
     </p:spTree>
     <p:extLst>
       <p:ext uri="{BB962C8B-B14F-4D97-AF65-F5344CB8AC3E}">
+        <p14:creationId xmlns:p14="http://schemas.microsoft.com/office/powerpoint/2010/main" val="80452426"/>
+      </p:ext>
+    </p:extLst>
+  </p:cSld>
+  <p:clrMapOvr>
+    <a:masterClrMapping/>
+  </p:clrMapOvr>
+</p:notes>
+</file>
+
+<file path=ppt/notesSlides/notesSlide15.xml><?xml version="1.0" encoding="utf-8"?>
+<p:notes xmlns:a="http://schemas.openxmlformats.org/drawingml/2006/main" xmlns:r="http://schemas.openxmlformats.org/officeDocument/2006/relationships" xmlns:p="http://schemas.openxmlformats.org/presentationml/2006/main" showMasterSp="0" showMasterPhAnim="0">
+  <p:cSld>
+    <p:spTree>
+      <p:nvGrpSpPr>
+        <p:cNvPr id="1" name="Shape 613"/>
+        <p:cNvGrpSpPr/>
+        <p:nvPr/>
+      </p:nvGrpSpPr>
+      <p:grpSpPr>
+        <a:xfrm>
+          <a:off x="0" y="0"/>
+          <a:ext cx="0" cy="0"/>
+          <a:chOff x="0" y="0"/>
+          <a:chExt cx="0" cy="0"/>
+        </a:xfrm>
+      </p:grpSpPr>
+      <p:sp>
+        <p:nvSpPr>
+          <p:cNvPr id="614" name="Google Shape;614;g35ed75ccf_044:notes"/>
+          <p:cNvSpPr>
+            <a:spLocks noGrp="1" noRot="1" noChangeAspect="1"/>
+          </p:cNvSpPr>
+          <p:nvPr>
+            <p:ph type="sldImg" idx="2"/>
+          </p:nvPr>
+        </p:nvSpPr>
+        <p:spPr>
+          <a:xfrm>
+            <a:off x="381000" y="685800"/>
+            <a:ext cx="6096000" cy="3429000"/>
+          </a:xfrm>
+          <a:custGeom>
+            <a:avLst/>
+            <a:gdLst/>
+            <a:ahLst/>
+            <a:cxnLst/>
+            <a:rect l="l" t="t" r="r" b="b"/>
+            <a:pathLst>
+              <a:path w="120000" h="120000" extrusionOk="0">
+                <a:moveTo>
+                  <a:pt x="0" y="0"/>
+                </a:moveTo>
+                <a:lnTo>
+                  <a:pt x="120000" y="0"/>
+                </a:lnTo>
+                <a:lnTo>
+                  <a:pt x="120000" y="120000"/>
+                </a:lnTo>
+                <a:lnTo>
+                  <a:pt x="0" y="120000"/>
+                </a:lnTo>
+                <a:close/>
+              </a:path>
+            </a:pathLst>
+          </a:custGeom>
+        </p:spPr>
+      </p:sp>
+      <p:sp>
+        <p:nvSpPr>
+          <p:cNvPr id="615" name="Google Shape;615;g35ed75ccf_044:notes"/>
+          <p:cNvSpPr txBox="1">
+            <a:spLocks noGrp="1"/>
+          </p:cNvSpPr>
+          <p:nvPr>
+            <p:ph type="body" idx="1"/>
+          </p:nvPr>
+        </p:nvSpPr>
+        <p:spPr>
+          <a:xfrm>
+            <a:off x="685800" y="4343400"/>
+            <a:ext cx="5486400" cy="4114800"/>
+          </a:xfrm>
+          <a:prstGeom prst="rect">
+            <a:avLst/>
+          </a:prstGeom>
+        </p:spPr>
+        <p:txBody>
+          <a:bodyPr spcFirstLastPara="1" wrap="square" lIns="91425" tIns="91425" rIns="91425" bIns="91425" anchor="t" anchorCtr="0">
+            <a:noAutofit/>
+          </a:bodyPr>
+          <a:lstStyle/>
+          <a:p>
+            <a:pPr marL="0" lvl="0" indent="0" algn="l" rtl="0">
+              <a:spcBef>
+                <a:spcPts val="0"/>
+              </a:spcBef>
+              <a:spcAft>
+                <a:spcPts val="0"/>
+              </a:spcAft>
+              <a:buNone/>
+            </a:pPr>
+            <a:endParaRPr/>
+          </a:p>
+        </p:txBody>
+      </p:sp>
+    </p:spTree>
+    <p:extLst>
+      <p:ext uri="{BB962C8B-B14F-4D97-AF65-F5344CB8AC3E}">
         <p14:creationId xmlns:p14="http://schemas.microsoft.com/office/powerpoint/2010/main" val="610985543"/>
       </p:ext>
     </p:extLst>
@@ -1404,7 +1514,7 @@
 </p:notes>
 </file>
 
-<file path=ppt/notesSlides/notesSlide15.xml><?xml version="1.0" encoding="utf-8"?>
+<file path=ppt/notesSlides/notesSlide16.xml><?xml version="1.0" encoding="utf-8"?>
 <p:notes xmlns:a="http://schemas.openxmlformats.org/drawingml/2006/main" xmlns:r="http://schemas.openxmlformats.org/officeDocument/2006/relationships" xmlns:p="http://schemas.openxmlformats.org/presentationml/2006/main" showMasterSp="0" showMasterPhAnim="0">
   <p:cSld>
     <p:spTree>
@@ -1513,7 +1623,7 @@
 </p:notes>
 </file>
 
-<file path=ppt/notesSlides/notesSlide16.xml><?xml version="1.0" encoding="utf-8"?>
+<file path=ppt/notesSlides/notesSlide17.xml><?xml version="1.0" encoding="utf-8"?>
 <p:notes xmlns:a="http://schemas.openxmlformats.org/drawingml/2006/main" xmlns:r="http://schemas.openxmlformats.org/officeDocument/2006/relationships" xmlns:p="http://schemas.openxmlformats.org/presentationml/2006/main" showMasterSp="0" showMasterPhAnim="0">
   <p:cSld>
     <p:spTree>
@@ -18878,23 +18988,7 @@
                   <a:schemeClr val="bg1"/>
                 </a:solidFill>
               </a:rPr>
-              <a:t>SUBMITTED </a:t>
-            </a:r>
-            <a:r>
-              <a:rPr lang="en-US" dirty="0" smtClean="0">
-                <a:solidFill>
-                  <a:schemeClr val="bg1"/>
-                </a:solidFill>
-              </a:rPr>
-              <a:t>BY</a:t>
-            </a:r>
-            <a:r>
-              <a:rPr lang="en-US" dirty="0" smtClean="0">
-                <a:solidFill>
-                  <a:schemeClr val="bg1"/>
-                </a:solidFill>
-              </a:rPr>
-              <a:t>: </a:t>
+              <a:t>SUBMITTED BY: </a:t>
             </a:r>
             <a:r>
               <a:rPr lang="en-US" smtClean="0">
@@ -20217,6 +20311,340 @@
             </a:pPr>
             <a:r>
               <a:rPr lang="en" dirty="0" smtClean="0"/>
+              <a:t>IMPLEMENTATION CONT…</a:t>
+            </a:r>
+            <a:endParaRPr dirty="0"/>
+          </a:p>
+        </p:txBody>
+      </p:sp>
+      <p:sp>
+        <p:nvSpPr>
+          <p:cNvPr id="618" name="Google Shape;618;p29"/>
+          <p:cNvSpPr/>
+          <p:nvPr/>
+        </p:nvSpPr>
+        <p:spPr>
+          <a:xfrm>
+            <a:off x="421240" y="2061638"/>
+            <a:ext cx="2965335" cy="1325100"/>
+          </a:xfrm>
+          <a:prstGeom prst="homePlate">
+            <a:avLst>
+              <a:gd name="adj" fmla="val 30129"/>
+            </a:avLst>
+          </a:prstGeom>
+          <a:solidFill>
+            <a:schemeClr val="accent5"/>
+          </a:solidFill>
+          <a:ln>
+            <a:noFill/>
+          </a:ln>
+        </p:spPr>
+        <p:txBody>
+          <a:bodyPr spcFirstLastPara="1" wrap="square" lIns="91425" tIns="91425" rIns="91425" bIns="91425" anchor="ctr" anchorCtr="0">
+            <a:noAutofit/>
+          </a:bodyPr>
+          <a:lstStyle/>
+          <a:p>
+            <a:pPr lvl="0">
+              <a:spcAft>
+                <a:spcPts val="2100"/>
+              </a:spcAft>
+            </a:pPr>
+            <a:r>
+              <a:rPr lang="en-US" dirty="0" smtClean="0">
+                <a:latin typeface="Times New Roman" panose="02020603050405020304" pitchFamily="18" charset="0"/>
+                <a:cs typeface="Times New Roman" panose="02020603050405020304" pitchFamily="18" charset="0"/>
+              </a:rPr>
+              <a:t>                                                           </a:t>
+            </a:r>
+            <a:r>
+              <a:rPr lang="en-US" dirty="0" smtClean="0">
+                <a:latin typeface="Times New Roman" panose="02020603050405020304" pitchFamily="18" charset="0"/>
+                <a:cs typeface="Times New Roman" panose="02020603050405020304" pitchFamily="18" charset="0"/>
+              </a:rPr>
+              <a:t>IFTTT</a:t>
+            </a:r>
+            <a:r>
+              <a:rPr lang="en-US" dirty="0" smtClean="0">
+                <a:latin typeface="Times New Roman" panose="02020603050405020304" pitchFamily="18" charset="0"/>
+                <a:cs typeface="Times New Roman" panose="02020603050405020304" pitchFamily="18" charset="0"/>
+              </a:rPr>
+              <a:t>:                                       </a:t>
+            </a:r>
+            <a:r>
+              <a:rPr lang="en-US" dirty="0" err="1" smtClean="0">
+                <a:latin typeface="Times New Roman" panose="02020603050405020304" pitchFamily="18" charset="0"/>
+                <a:cs typeface="Times New Roman" panose="02020603050405020304" pitchFamily="18" charset="0"/>
+              </a:rPr>
+              <a:t>Wehave</a:t>
+            </a:r>
+            <a:r>
+              <a:rPr lang="en-US" dirty="0" smtClean="0">
+                <a:latin typeface="Times New Roman" panose="02020603050405020304" pitchFamily="18" charset="0"/>
+                <a:cs typeface="Times New Roman" panose="02020603050405020304" pitchFamily="18" charset="0"/>
+              </a:rPr>
+              <a:t> to make applets on IFTTT </a:t>
+            </a:r>
+            <a:r>
+              <a:rPr lang="en-US" dirty="0" err="1" smtClean="0">
+                <a:latin typeface="Times New Roman" panose="02020603050405020304" pitchFamily="18" charset="0"/>
+                <a:cs typeface="Times New Roman" panose="02020603050405020304" pitchFamily="18" charset="0"/>
+              </a:rPr>
+              <a:t>webhooks</a:t>
+            </a:r>
+            <a:r>
+              <a:rPr lang="en-US" dirty="0" smtClean="0">
+                <a:latin typeface="Times New Roman" panose="02020603050405020304" pitchFamily="18" charset="0"/>
+                <a:cs typeface="Times New Roman" panose="02020603050405020304" pitchFamily="18" charset="0"/>
+              </a:rPr>
+              <a:t>.</a:t>
+            </a:r>
+            <a:endParaRPr lang="en-US" dirty="0">
+              <a:latin typeface="Times New Roman" panose="02020603050405020304" pitchFamily="18" charset="0"/>
+              <a:cs typeface="Times New Roman" panose="02020603050405020304" pitchFamily="18" charset="0"/>
+            </a:endParaRPr>
+          </a:p>
+          <a:p>
+            <a:pPr algn="ctr"/>
+            <a:r>
+              <a:rPr lang="en-US" dirty="0" smtClean="0">
+                <a:latin typeface="Times New Roman" panose="02020603050405020304" pitchFamily="18" charset="0"/>
+                <a:cs typeface="Times New Roman" panose="02020603050405020304" pitchFamily="18" charset="0"/>
+              </a:rPr>
+              <a:t>.</a:t>
+            </a:r>
+            <a:endParaRPr lang="en-US" dirty="0">
+              <a:latin typeface="Times New Roman" panose="02020603050405020304" pitchFamily="18" charset="0"/>
+              <a:cs typeface="Times New Roman" panose="02020603050405020304" pitchFamily="18" charset="0"/>
+            </a:endParaRPr>
+          </a:p>
+          <a:p>
+            <a:pPr marL="0" lvl="0" indent="0" algn="ctr" rtl="0">
+              <a:spcBef>
+                <a:spcPts val="0"/>
+              </a:spcBef>
+              <a:spcAft>
+                <a:spcPts val="0"/>
+              </a:spcAft>
+              <a:buNone/>
+            </a:pPr>
+            <a:endParaRPr b="1" dirty="0">
+              <a:solidFill>
+                <a:srgbClr val="FFFFFF"/>
+              </a:solidFill>
+              <a:latin typeface="Source Sans Pro"/>
+              <a:ea typeface="Source Sans Pro"/>
+              <a:cs typeface="Source Sans Pro"/>
+              <a:sym typeface="Source Sans Pro"/>
+            </a:endParaRPr>
+          </a:p>
+        </p:txBody>
+      </p:sp>
+      <p:sp>
+        <p:nvSpPr>
+          <p:cNvPr id="619" name="Google Shape;619;p29"/>
+          <p:cNvSpPr/>
+          <p:nvPr/>
+        </p:nvSpPr>
+        <p:spPr>
+          <a:xfrm>
+            <a:off x="5048823" y="2061638"/>
+            <a:ext cx="2862000" cy="1325100"/>
+          </a:xfrm>
+          <a:prstGeom prst="chevron">
+            <a:avLst>
+              <a:gd name="adj" fmla="val 29853"/>
+            </a:avLst>
+          </a:prstGeom>
+          <a:solidFill>
+            <a:schemeClr val="accent1"/>
+          </a:solidFill>
+          <a:ln>
+            <a:noFill/>
+          </a:ln>
+        </p:spPr>
+        <p:txBody>
+          <a:bodyPr spcFirstLastPara="1" wrap="square" lIns="91425" tIns="91425" rIns="91425" bIns="91425" anchor="ctr" anchorCtr="0">
+            <a:noAutofit/>
+          </a:bodyPr>
+          <a:lstStyle/>
+          <a:p>
+            <a:pPr lvl="0">
+              <a:spcAft>
+                <a:spcPts val="2100"/>
+              </a:spcAft>
+            </a:pPr>
+            <a:r>
+              <a:rPr lang="en-US" dirty="0" smtClean="0">
+                <a:latin typeface="Times New Roman" panose="02020603050405020304" pitchFamily="18" charset="0"/>
+                <a:cs typeface="Times New Roman" panose="02020603050405020304" pitchFamily="18" charset="0"/>
+              </a:rPr>
+              <a:t>Than we have to make events on </a:t>
+            </a:r>
+            <a:r>
+              <a:rPr lang="en-US" dirty="0" err="1" smtClean="0">
+                <a:latin typeface="Times New Roman" panose="02020603050405020304" pitchFamily="18" charset="0"/>
+                <a:cs typeface="Times New Roman" panose="02020603050405020304" pitchFamily="18" charset="0"/>
+              </a:rPr>
+              <a:t>Ifttt</a:t>
+            </a:r>
+            <a:r>
+              <a:rPr lang="en-US" dirty="0" smtClean="0">
+                <a:latin typeface="Times New Roman" panose="02020603050405020304" pitchFamily="18" charset="0"/>
+                <a:cs typeface="Times New Roman" panose="02020603050405020304" pitchFamily="18" charset="0"/>
+              </a:rPr>
+              <a:t> applets through </a:t>
+            </a:r>
+            <a:r>
+              <a:rPr lang="en-US" dirty="0" err="1" smtClean="0">
+                <a:latin typeface="Times New Roman" panose="02020603050405020304" pitchFamily="18" charset="0"/>
+                <a:cs typeface="Times New Roman" panose="02020603050405020304" pitchFamily="18" charset="0"/>
+              </a:rPr>
+              <a:t>webhooks</a:t>
+            </a:r>
+            <a:r>
+              <a:rPr lang="en-US" dirty="0" smtClean="0">
+                <a:latin typeface="Times New Roman" panose="02020603050405020304" pitchFamily="18" charset="0"/>
+                <a:cs typeface="Times New Roman" panose="02020603050405020304" pitchFamily="18" charset="0"/>
+              </a:rPr>
+              <a:t> .</a:t>
+            </a:r>
+            <a:endParaRPr lang="en-US" dirty="0">
+              <a:latin typeface="Times New Roman" panose="02020603050405020304" pitchFamily="18" charset="0"/>
+              <a:cs typeface="Times New Roman" panose="02020603050405020304" pitchFamily="18" charset="0"/>
+            </a:endParaRPr>
+          </a:p>
+          <a:p>
+            <a:pPr marL="0" lvl="0" indent="0" algn="ctr" rtl="0">
+              <a:spcBef>
+                <a:spcPts val="0"/>
+              </a:spcBef>
+              <a:spcAft>
+                <a:spcPts val="0"/>
+              </a:spcAft>
+              <a:buNone/>
+            </a:pPr>
+            <a:endParaRPr b="1" dirty="0">
+              <a:solidFill>
+                <a:srgbClr val="FFFFFF"/>
+              </a:solidFill>
+              <a:latin typeface="Source Sans Pro"/>
+              <a:ea typeface="Source Sans Pro"/>
+              <a:cs typeface="Source Sans Pro"/>
+              <a:sym typeface="Source Sans Pro"/>
+            </a:endParaRPr>
+          </a:p>
+        </p:txBody>
+      </p:sp>
+      <p:sp>
+        <p:nvSpPr>
+          <p:cNvPr id="621" name="Google Shape;621;p29"/>
+          <p:cNvSpPr txBox="1">
+            <a:spLocks noGrp="1"/>
+          </p:cNvSpPr>
+          <p:nvPr>
+            <p:ph type="sldNum" idx="12"/>
+          </p:nvPr>
+        </p:nvSpPr>
+        <p:spPr>
+          <a:xfrm>
+            <a:off x="8556775" y="4826200"/>
+            <a:ext cx="548700" cy="317400"/>
+          </a:xfrm>
+          <a:prstGeom prst="rect">
+            <a:avLst/>
+          </a:prstGeom>
+        </p:spPr>
+        <p:txBody>
+          <a:bodyPr spcFirstLastPara="1" wrap="square" lIns="91425" tIns="91425" rIns="91425" bIns="91425" anchor="t" anchorCtr="0">
+            <a:noAutofit/>
+          </a:bodyPr>
+          <a:lstStyle/>
+          <a:p>
+            <a:pPr marL="0" lvl="0" indent="0" algn="r" rtl="0">
+              <a:spcBef>
+                <a:spcPts val="0"/>
+              </a:spcBef>
+              <a:spcAft>
+                <a:spcPts val="0"/>
+              </a:spcAft>
+              <a:buNone/>
+            </a:pPr>
+            <a:fld id="{00000000-1234-1234-1234-123412341234}" type="slidenum">
+              <a:rPr lang="en"/>
+              <a:t>13</a:t>
+            </a:fld>
+            <a:endParaRPr/>
+          </a:p>
+        </p:txBody>
+      </p:sp>
+    </p:spTree>
+    <p:extLst>
+      <p:ext uri="{BB962C8B-B14F-4D97-AF65-F5344CB8AC3E}">
+        <p14:creationId xmlns:p14="http://schemas.microsoft.com/office/powerpoint/2010/main" val="2556981735"/>
+      </p:ext>
+    </p:extLst>
+  </p:cSld>
+  <p:clrMapOvr>
+    <a:masterClrMapping/>
+  </p:clrMapOvr>
+</p:sld>
+</file>
+
+<file path=ppt/slides/slide14.xml><?xml version="1.0" encoding="utf-8"?>
+<p:sld xmlns:a="http://schemas.openxmlformats.org/drawingml/2006/main" xmlns:r="http://schemas.openxmlformats.org/officeDocument/2006/relationships" xmlns:p="http://schemas.openxmlformats.org/presentationml/2006/main">
+  <p:cSld>
+    <p:spTree>
+      <p:nvGrpSpPr>
+        <p:cNvPr id="1" name="Shape 616"/>
+        <p:cNvGrpSpPr/>
+        <p:nvPr/>
+      </p:nvGrpSpPr>
+      <p:grpSpPr>
+        <a:xfrm>
+          <a:off x="0" y="0"/>
+          <a:ext cx="0" cy="0"/>
+          <a:chOff x="0" y="0"/>
+          <a:chExt cx="0" cy="0"/>
+        </a:xfrm>
+      </p:grpSpPr>
+      <p:sp>
+        <p:nvSpPr>
+          <p:cNvPr id="617" name="Google Shape;617;p29"/>
+          <p:cNvSpPr txBox="1">
+            <a:spLocks noGrp="1"/>
+          </p:cNvSpPr>
+          <p:nvPr>
+            <p:ph type="title"/>
+          </p:nvPr>
+        </p:nvSpPr>
+        <p:spPr>
+          <a:xfrm>
+            <a:off x="1047750" y="634125"/>
+            <a:ext cx="6996600" cy="715800"/>
+          </a:xfrm>
+          <a:prstGeom prst="rect">
+            <a:avLst/>
+          </a:prstGeom>
+        </p:spPr>
+        <p:txBody>
+          <a:bodyPr spcFirstLastPara="1" wrap="square" lIns="91425" tIns="91425" rIns="91425" bIns="91425" anchor="b" anchorCtr="0">
+            <a:noAutofit/>
+          </a:bodyPr>
+          <a:lstStyle/>
+          <a:p>
+            <a:pPr marL="0" lvl="0" indent="0" algn="ctr" rtl="0">
+              <a:spcBef>
+                <a:spcPts val="0"/>
+              </a:spcBef>
+              <a:spcAft>
+                <a:spcPts val="0"/>
+              </a:spcAft>
+              <a:buNone/>
+            </a:pPr>
+            <a:r>
+              <a:rPr lang="en" dirty="0" smtClean="0"/>
               <a:t>IMPLEMENTATION CONT… </a:t>
             </a:r>
             <a:endParaRPr dirty="0"/>
@@ -20522,7 +20950,7 @@
             </a:pPr>
             <a:fld id="{00000000-1234-1234-1234-123412341234}" type="slidenum">
               <a:rPr lang="en"/>
-              <a:t>13</a:t>
+              <a:t>14</a:t>
             </a:fld>
             <a:endParaRPr/>
           </a:p>
@@ -20541,7 +20969,7 @@
 </p:sld>
 </file>
 
-<file path=ppt/slides/slide14.xml><?xml version="1.0" encoding="utf-8"?>
+<file path=ppt/slides/slide15.xml><?xml version="1.0" encoding="utf-8"?>
 <p:sld xmlns:a="http://schemas.openxmlformats.org/drawingml/2006/main" xmlns:r="http://schemas.openxmlformats.org/officeDocument/2006/relationships" xmlns:p="http://schemas.openxmlformats.org/presentationml/2006/main">
   <p:cSld>
     <p:spTree>
@@ -20808,7 +21236,7 @@
             </a:pPr>
             <a:fld id="{00000000-1234-1234-1234-123412341234}" type="slidenum">
               <a:rPr lang="en"/>
-              <a:t>14</a:t>
+              <a:t>15</a:t>
             </a:fld>
             <a:endParaRPr/>
           </a:p>
@@ -20827,7 +21255,7 @@
 </p:sld>
 </file>
 
-<file path=ppt/slides/slide15.xml><?xml version="1.0" encoding="utf-8"?>
+<file path=ppt/slides/slide16.xml><?xml version="1.0" encoding="utf-8"?>
 <p:sld xmlns:a="http://schemas.openxmlformats.org/drawingml/2006/main" xmlns:r="http://schemas.openxmlformats.org/officeDocument/2006/relationships" xmlns:p="http://schemas.openxmlformats.org/presentationml/2006/main">
   <p:cSld>
     <p:spTree>
@@ -21041,7 +21469,7 @@
             </a:pPr>
             <a:fld id="{00000000-1234-1234-1234-123412341234}" type="slidenum">
               <a:rPr lang="en"/>
-              <a:t>15</a:t>
+              <a:t>16</a:t>
             </a:fld>
             <a:endParaRPr/>
           </a:p>
@@ -21423,7 +21851,7 @@
 </p:sld>
 </file>
 
-<file path=ppt/slides/slide16.xml><?xml version="1.0" encoding="utf-8"?>
+<file path=ppt/slides/slide17.xml><?xml version="1.0" encoding="utf-8"?>
 <p:sld xmlns:a="http://schemas.openxmlformats.org/drawingml/2006/main" xmlns:r="http://schemas.openxmlformats.org/officeDocument/2006/relationships" xmlns:p="http://schemas.openxmlformats.org/presentationml/2006/main">
   <p:cSld>
     <p:spTree>
@@ -21572,7 +22000,7 @@
             </a:pPr>
             <a:fld id="{00000000-1234-1234-1234-123412341234}" type="slidenum">
               <a:rPr lang="en"/>
-              <a:t>16</a:t>
+              <a:t>17</a:t>
             </a:fld>
             <a:endParaRPr/>
           </a:p>
@@ -23425,7 +23853,7 @@
         </p:nvSpPr>
         <p:spPr>
           <a:xfrm>
-            <a:off x="1568929" y="918411"/>
+            <a:off x="260520" y="914988"/>
             <a:ext cx="2335251" cy="1763144"/>
           </a:xfrm>
           <a:prstGeom prst="rect">
@@ -23493,7 +23921,7 @@
         </p:nvSpPr>
         <p:spPr>
           <a:xfrm>
-            <a:off x="4731096" y="918411"/>
+            <a:off x="2835389" y="914988"/>
             <a:ext cx="2830684" cy="1547387"/>
           </a:xfrm>
           <a:prstGeom prst="rect">
@@ -23600,7 +24028,7 @@
         </p:blipFill>
         <p:spPr>
           <a:xfrm>
-            <a:off x="1568929" y="2964599"/>
+            <a:off x="260520" y="2964599"/>
             <a:ext cx="1743075" cy="1317470"/>
           </a:xfrm>
           <a:prstGeom prst="rect">
@@ -23628,7 +24056,7 @@
         </p:blipFill>
         <p:spPr>
           <a:xfrm>
-            <a:off x="5274900" y="2964599"/>
+            <a:off x="3029788" y="2964599"/>
             <a:ext cx="1743075" cy="1124181"/>
           </a:xfrm>
           <a:prstGeom prst="rect">
@@ -23638,6 +24066,87 @@
           <a:ln>
             <a:noFill/>
           </a:ln>
+        </p:spPr>
+      </p:pic>
+      <p:sp>
+        <p:nvSpPr>
+          <p:cNvPr id="8" name="Google Shape;534;p21"/>
+          <p:cNvSpPr txBox="1">
+            <a:spLocks noGrp="1"/>
+          </p:cNvSpPr>
+          <p:nvPr>
+            <p:ph type="body" idx="3"/>
+          </p:nvPr>
+        </p:nvSpPr>
+        <p:spPr>
+          <a:xfrm>
+            <a:off x="6000441" y="1130745"/>
+            <a:ext cx="2830684" cy="1547387"/>
+          </a:xfrm>
+          <a:prstGeom prst="rect">
+            <a:avLst/>
+          </a:prstGeom>
+        </p:spPr>
+        <p:txBody>
+          <a:bodyPr spcFirstLastPara="1" wrap="square" lIns="91425" tIns="91425" rIns="91425" bIns="91425" anchor="t" anchorCtr="0">
+            <a:noAutofit/>
+          </a:bodyPr>
+          <a:lstStyle/>
+          <a:p>
+            <a:pPr marL="0" lvl="0" indent="0">
+              <a:buNone/>
+            </a:pPr>
+            <a:r>
+              <a:rPr lang="en-ZA" sz="1200" b="1" dirty="0" smtClean="0"/>
+              <a:t>IFTTT</a:t>
+            </a:r>
+            <a:r>
+              <a:rPr lang="en-ZA" sz="1200" dirty="0"/>
+              <a:t> </a:t>
+            </a:r>
+            <a:r>
+              <a:rPr lang="en-ZA" sz="1200" dirty="0" smtClean="0"/>
+              <a:t>If </a:t>
+            </a:r>
+            <a:r>
+              <a:rPr lang="en-ZA" sz="1200" dirty="0"/>
+              <a:t>This Then That is a private commercial company that runs services that allow a user to program a response to events in the world.</a:t>
+            </a:r>
+            <a:endParaRPr lang="en-ZA" sz="1200" dirty="0">
+              <a:latin typeface="Segoe UI" panose="020B0502040204020203" pitchFamily="34" charset="0"/>
+              <a:cs typeface="Segoe UI" panose="020B0502040204020203" pitchFamily="34" charset="0"/>
+            </a:endParaRPr>
+          </a:p>
+        </p:txBody>
+      </p:sp>
+      <p:pic>
+        <p:nvPicPr>
+          <p:cNvPr id="3" name="Picture 2"/>
+          <p:cNvPicPr>
+            <a:picLocks noChangeAspect="1"/>
+          </p:cNvPicPr>
+          <p:nvPr/>
+        </p:nvPicPr>
+        <p:blipFill>
+          <a:blip r:embed="rId5">
+            <a:extLst>
+              <a:ext uri="{28A0092B-C50C-407E-A947-70E740481C1C}">
+                <a14:useLocalDpi xmlns:a14="http://schemas.microsoft.com/office/drawing/2010/main" val="0"/>
+              </a:ext>
+            </a:extLst>
+          </a:blip>
+          <a:stretch>
+            <a:fillRect/>
+          </a:stretch>
+        </p:blipFill>
+        <p:spPr>
+          <a:xfrm>
+            <a:off x="6163329" y="2964598"/>
+            <a:ext cx="2103442" cy="1124182"/>
+          </a:xfrm>
+          <a:prstGeom prst="rect">
+            <a:avLst/>
+          </a:prstGeom>
         </p:spPr>
       </p:pic>
     </p:spTree>

--- a/uvlightsensor.pptx
+++ b/uvlightsensor.pptx
@@ -5,7 +5,7 @@
     <p:sldMasterId id="2147483659" r:id="rId1"/>
   </p:sldMasterIdLst>
   <p:notesMasterIdLst>
-    <p:notesMasterId r:id="rId19"/>
+    <p:notesMasterId r:id="rId20"/>
   </p:notesMasterIdLst>
   <p:sldIdLst>
     <p:sldId id="256" r:id="rId2"/>
@@ -23,49 +23,50 @@
     <p:sldId id="302" r:id="rId14"/>
     <p:sldId id="297" r:id="rId15"/>
     <p:sldId id="301" r:id="rId16"/>
-    <p:sldId id="277" r:id="rId17"/>
-    <p:sldId id="278" r:id="rId18"/>
+    <p:sldId id="303" r:id="rId17"/>
+    <p:sldId id="277" r:id="rId18"/>
+    <p:sldId id="278" r:id="rId19"/>
   </p:sldIdLst>
   <p:sldSz cx="9144000" cy="5143500" type="screen16x9"/>
   <p:notesSz cx="6858000" cy="9144000"/>
   <p:embeddedFontLst>
     <p:embeddedFont>
+      <p:font typeface="Oswald" panose="020B0604020202020204" charset="0"/>
+      <p:regular r:id="rId21"/>
+      <p:bold r:id="rId22"/>
+    </p:embeddedFont>
+    <p:embeddedFont>
+      <p:font typeface="Verdana" panose="020B0604030504040204" pitchFamily="34" charset="0"/>
+      <p:regular r:id="rId23"/>
+      <p:bold r:id="rId24"/>
+      <p:italic r:id="rId25"/>
+      <p:boldItalic r:id="rId26"/>
+    </p:embeddedFont>
+    <p:embeddedFont>
+      <p:font typeface="Segoe UI" panose="020B0502040204020203" pitchFamily="34" charset="0"/>
+      <p:regular r:id="rId27"/>
+      <p:bold r:id="rId28"/>
+      <p:italic r:id="rId29"/>
+      <p:boldItalic r:id="rId30"/>
+    </p:embeddedFont>
+    <p:embeddedFont>
+      <p:font typeface="Darker Grotesque" panose="020B0604020202020204" charset="0"/>
+      <p:regular r:id="rId31"/>
+      <p:bold r:id="rId32"/>
+    </p:embeddedFont>
+    <p:embeddedFont>
       <p:font typeface="Source Sans Pro" panose="020B0604020202020204" charset="0"/>
-      <p:regular r:id="rId20"/>
-      <p:bold r:id="rId21"/>
-      <p:italic r:id="rId22"/>
-      <p:boldItalic r:id="rId23"/>
+      <p:regular r:id="rId33"/>
+      <p:bold r:id="rId34"/>
+      <p:italic r:id="rId35"/>
+      <p:boldItalic r:id="rId36"/>
     </p:embeddedFont>
     <p:embeddedFont>
       <p:font typeface="Calibri" panose="020F0502020204030204" pitchFamily="34" charset="0"/>
-      <p:regular r:id="rId24"/>
-      <p:bold r:id="rId25"/>
-      <p:italic r:id="rId26"/>
-      <p:boldItalic r:id="rId27"/>
-    </p:embeddedFont>
-    <p:embeddedFont>
-      <p:font typeface="Oswald" panose="020B0604020202020204" charset="0"/>
-      <p:regular r:id="rId28"/>
-      <p:bold r:id="rId29"/>
-    </p:embeddedFont>
-    <p:embeddedFont>
-      <p:font typeface="Verdana" panose="020B0604030504040204" pitchFamily="34" charset="0"/>
-      <p:regular r:id="rId30"/>
-      <p:bold r:id="rId31"/>
-      <p:italic r:id="rId32"/>
-      <p:boldItalic r:id="rId33"/>
-    </p:embeddedFont>
-    <p:embeddedFont>
-      <p:font typeface="Segoe UI" panose="020B0502040204020203" pitchFamily="34" charset="0"/>
-      <p:regular r:id="rId34"/>
-      <p:bold r:id="rId35"/>
-      <p:italic r:id="rId36"/>
-      <p:boldItalic r:id="rId37"/>
-    </p:embeddedFont>
-    <p:embeddedFont>
-      <p:font typeface="Darker Grotesque" panose="020B0604020202020204" charset="0"/>
-      <p:regular r:id="rId38"/>
-      <p:bold r:id="rId39"/>
+      <p:regular r:id="rId37"/>
+      <p:bold r:id="rId38"/>
+      <p:italic r:id="rId39"/>
+      <p:boldItalic r:id="rId40"/>
     </p:embeddedFont>
   </p:embeddedFontLst>
   <p:defaultTextStyle>
@@ -1519,6 +1520,115 @@
   <p:cSld>
     <p:spTree>
       <p:nvGrpSpPr>
+        <p:cNvPr id="1" name="Shape 613"/>
+        <p:cNvGrpSpPr/>
+        <p:nvPr/>
+      </p:nvGrpSpPr>
+      <p:grpSpPr>
+        <a:xfrm>
+          <a:off x="0" y="0"/>
+          <a:ext cx="0" cy="0"/>
+          <a:chOff x="0" y="0"/>
+          <a:chExt cx="0" cy="0"/>
+        </a:xfrm>
+      </p:grpSpPr>
+      <p:sp>
+        <p:nvSpPr>
+          <p:cNvPr id="614" name="Google Shape;614;g35ed75ccf_044:notes"/>
+          <p:cNvSpPr>
+            <a:spLocks noGrp="1" noRot="1" noChangeAspect="1"/>
+          </p:cNvSpPr>
+          <p:nvPr>
+            <p:ph type="sldImg" idx="2"/>
+          </p:nvPr>
+        </p:nvSpPr>
+        <p:spPr>
+          <a:xfrm>
+            <a:off x="381000" y="685800"/>
+            <a:ext cx="6096000" cy="3429000"/>
+          </a:xfrm>
+          <a:custGeom>
+            <a:avLst/>
+            <a:gdLst/>
+            <a:ahLst/>
+            <a:cxnLst/>
+            <a:rect l="l" t="t" r="r" b="b"/>
+            <a:pathLst>
+              <a:path w="120000" h="120000" extrusionOk="0">
+                <a:moveTo>
+                  <a:pt x="0" y="0"/>
+                </a:moveTo>
+                <a:lnTo>
+                  <a:pt x="120000" y="0"/>
+                </a:lnTo>
+                <a:lnTo>
+                  <a:pt x="120000" y="120000"/>
+                </a:lnTo>
+                <a:lnTo>
+                  <a:pt x="0" y="120000"/>
+                </a:lnTo>
+                <a:close/>
+              </a:path>
+            </a:pathLst>
+          </a:custGeom>
+        </p:spPr>
+      </p:sp>
+      <p:sp>
+        <p:nvSpPr>
+          <p:cNvPr id="615" name="Google Shape;615;g35ed75ccf_044:notes"/>
+          <p:cNvSpPr txBox="1">
+            <a:spLocks noGrp="1"/>
+          </p:cNvSpPr>
+          <p:nvPr>
+            <p:ph type="body" idx="1"/>
+          </p:nvPr>
+        </p:nvSpPr>
+        <p:spPr>
+          <a:xfrm>
+            <a:off x="685800" y="4343400"/>
+            <a:ext cx="5486400" cy="4114800"/>
+          </a:xfrm>
+          <a:prstGeom prst="rect">
+            <a:avLst/>
+          </a:prstGeom>
+        </p:spPr>
+        <p:txBody>
+          <a:bodyPr spcFirstLastPara="1" wrap="square" lIns="91425" tIns="91425" rIns="91425" bIns="91425" anchor="t" anchorCtr="0">
+            <a:noAutofit/>
+          </a:bodyPr>
+          <a:lstStyle/>
+          <a:p>
+            <a:pPr marL="0" lvl="0" indent="0" algn="l" rtl="0">
+              <a:spcBef>
+                <a:spcPts val="0"/>
+              </a:spcBef>
+              <a:spcAft>
+                <a:spcPts val="0"/>
+              </a:spcAft>
+              <a:buNone/>
+            </a:pPr>
+            <a:endParaRPr/>
+          </a:p>
+        </p:txBody>
+      </p:sp>
+    </p:spTree>
+    <p:extLst>
+      <p:ext uri="{BB962C8B-B14F-4D97-AF65-F5344CB8AC3E}">
+        <p14:creationId xmlns:p14="http://schemas.microsoft.com/office/powerpoint/2010/main" val="3261966308"/>
+      </p:ext>
+    </p:extLst>
+  </p:cSld>
+  <p:clrMapOvr>
+    <a:masterClrMapping/>
+  </p:clrMapOvr>
+</p:notes>
+</file>
+
+<file path=ppt/notesSlides/notesSlide17.xml><?xml version="1.0" encoding="utf-8"?>
+<p:notes xmlns:a="http://schemas.openxmlformats.org/drawingml/2006/main" xmlns:r="http://schemas.openxmlformats.org/officeDocument/2006/relationships" xmlns:p="http://schemas.openxmlformats.org/presentationml/2006/main" showMasterSp="0" showMasterPhAnim="0">
+  <p:cSld>
+    <p:spTree>
+      <p:nvGrpSpPr>
         <p:cNvPr id="1" name="Shape 703"/>
         <p:cNvGrpSpPr/>
         <p:nvPr/>
@@ -1623,7 +1733,7 @@
 </p:notes>
 </file>
 
-<file path=ppt/notesSlides/notesSlide17.xml><?xml version="1.0" encoding="utf-8"?>
+<file path=ppt/notesSlides/notesSlide18.xml><?xml version="1.0" encoding="utf-8"?>
 <p:notes xmlns:a="http://schemas.openxmlformats.org/drawingml/2006/main" xmlns:r="http://schemas.openxmlformats.org/officeDocument/2006/relationships" xmlns:p="http://schemas.openxmlformats.org/presentationml/2006/main" showMasterSp="0" showMasterPhAnim="0">
   <p:cSld>
     <p:spTree>
@@ -20356,21 +20466,7 @@
                 <a:latin typeface="Times New Roman" panose="02020603050405020304" pitchFamily="18" charset="0"/>
                 <a:cs typeface="Times New Roman" panose="02020603050405020304" pitchFamily="18" charset="0"/>
               </a:rPr>
-              <a:t>                                                           </a:t>
-            </a:r>
-            <a:r>
-              <a:rPr lang="en-US" dirty="0" smtClean="0">
-                <a:latin typeface="Times New Roman" panose="02020603050405020304" pitchFamily="18" charset="0"/>
-                <a:cs typeface="Times New Roman" panose="02020603050405020304" pitchFamily="18" charset="0"/>
-              </a:rPr>
-              <a:t>IFTTT</a:t>
-            </a:r>
-            <a:r>
-              <a:rPr lang="en-US" dirty="0" smtClean="0">
-                <a:latin typeface="Times New Roman" panose="02020603050405020304" pitchFamily="18" charset="0"/>
-                <a:cs typeface="Times New Roman" panose="02020603050405020304" pitchFamily="18" charset="0"/>
-              </a:rPr>
-              <a:t>:                                       </a:t>
+              <a:t>                                                           IFTTT:                                       </a:t>
             </a:r>
             <a:r>
               <a:rPr lang="en-US" dirty="0" err="1" smtClean="0">
@@ -21256,6 +21352,150 @@
 </file>
 
 <file path=ppt/slides/slide16.xml><?xml version="1.0" encoding="utf-8"?>
+<p:sld xmlns:a="http://schemas.openxmlformats.org/drawingml/2006/main" xmlns:r="http://schemas.openxmlformats.org/officeDocument/2006/relationships" xmlns:p="http://schemas.openxmlformats.org/presentationml/2006/main">
+  <p:cSld>
+    <p:spTree>
+      <p:nvGrpSpPr>
+        <p:cNvPr id="1" name="Shape 616"/>
+        <p:cNvGrpSpPr/>
+        <p:nvPr/>
+      </p:nvGrpSpPr>
+      <p:grpSpPr>
+        <a:xfrm>
+          <a:off x="0" y="0"/>
+          <a:ext cx="0" cy="0"/>
+          <a:chOff x="0" y="0"/>
+          <a:chExt cx="0" cy="0"/>
+        </a:xfrm>
+      </p:grpSpPr>
+      <p:sp>
+        <p:nvSpPr>
+          <p:cNvPr id="617" name="Google Shape;617;p29"/>
+          <p:cNvSpPr txBox="1">
+            <a:spLocks noGrp="1"/>
+          </p:cNvSpPr>
+          <p:nvPr>
+            <p:ph type="title"/>
+          </p:nvPr>
+        </p:nvSpPr>
+        <p:spPr>
+          <a:xfrm>
+            <a:off x="1047750" y="634125"/>
+            <a:ext cx="6996600" cy="715800"/>
+          </a:xfrm>
+          <a:prstGeom prst="rect">
+            <a:avLst/>
+          </a:prstGeom>
+        </p:spPr>
+        <p:txBody>
+          <a:bodyPr spcFirstLastPara="1" wrap="square" lIns="91425" tIns="91425" rIns="91425" bIns="91425" anchor="b" anchorCtr="0">
+            <a:noAutofit/>
+          </a:bodyPr>
+          <a:lstStyle/>
+          <a:p>
+            <a:pPr marL="0" lvl="0" indent="0" algn="ctr" rtl="0">
+              <a:spcBef>
+                <a:spcPts val="0"/>
+              </a:spcBef>
+              <a:spcAft>
+                <a:spcPts val="0"/>
+              </a:spcAft>
+              <a:buNone/>
+            </a:pPr>
+            <a:r>
+              <a:rPr lang="en" dirty="0" smtClean="0"/>
+              <a:t>ARCHITECTURE </a:t>
+            </a:r>
+            <a:endParaRPr dirty="0"/>
+          </a:p>
+        </p:txBody>
+      </p:sp>
+      <p:sp>
+        <p:nvSpPr>
+          <p:cNvPr id="621" name="Google Shape;621;p29"/>
+          <p:cNvSpPr txBox="1">
+            <a:spLocks noGrp="1"/>
+          </p:cNvSpPr>
+          <p:nvPr>
+            <p:ph type="sldNum" idx="12"/>
+          </p:nvPr>
+        </p:nvSpPr>
+        <p:spPr>
+          <a:xfrm>
+            <a:off x="8556775" y="4826200"/>
+            <a:ext cx="548700" cy="317400"/>
+          </a:xfrm>
+          <a:prstGeom prst="rect">
+            <a:avLst/>
+          </a:prstGeom>
+        </p:spPr>
+        <p:txBody>
+          <a:bodyPr spcFirstLastPara="1" wrap="square" lIns="91425" tIns="91425" rIns="91425" bIns="91425" anchor="t" anchorCtr="0">
+            <a:noAutofit/>
+          </a:bodyPr>
+          <a:lstStyle/>
+          <a:p>
+            <a:pPr marL="0" lvl="0" indent="0" algn="r" rtl="0">
+              <a:spcBef>
+                <a:spcPts val="0"/>
+              </a:spcBef>
+              <a:spcAft>
+                <a:spcPts val="0"/>
+              </a:spcAft>
+              <a:buNone/>
+            </a:pPr>
+            <a:fld id="{00000000-1234-1234-1234-123412341234}" type="slidenum">
+              <a:rPr lang="en"/>
+              <a:t>16</a:t>
+            </a:fld>
+            <a:endParaRPr/>
+          </a:p>
+        </p:txBody>
+      </p:sp>
+      <p:pic>
+        <p:nvPicPr>
+          <p:cNvPr id="2" name="Picture 1"/>
+          <p:cNvPicPr>
+            <a:picLocks noChangeAspect="1"/>
+          </p:cNvPicPr>
+          <p:nvPr/>
+        </p:nvPicPr>
+        <p:blipFill>
+          <a:blip r:embed="rId3">
+            <a:extLst>
+              <a:ext uri="{28A0092B-C50C-407E-A947-70E740481C1C}">
+                <a14:useLocalDpi xmlns:a14="http://schemas.microsoft.com/office/drawing/2010/main" val="0"/>
+              </a:ext>
+            </a:extLst>
+          </a:blip>
+          <a:stretch>
+            <a:fillRect/>
+          </a:stretch>
+        </p:blipFill>
+        <p:spPr>
+          <a:xfrm>
+            <a:off x="636037" y="1732157"/>
+            <a:ext cx="7820025" cy="2263581"/>
+          </a:xfrm>
+          <a:prstGeom prst="rect">
+            <a:avLst/>
+          </a:prstGeom>
+        </p:spPr>
+      </p:pic>
+    </p:spTree>
+    <p:extLst>
+      <p:ext uri="{BB962C8B-B14F-4D97-AF65-F5344CB8AC3E}">
+        <p14:creationId xmlns:p14="http://schemas.microsoft.com/office/powerpoint/2010/main" val="1428663295"/>
+      </p:ext>
+    </p:extLst>
+  </p:cSld>
+  <p:clrMapOvr>
+    <a:masterClrMapping/>
+  </p:clrMapOvr>
+</p:sld>
+</file>
+
+<file path=ppt/slides/slide17.xml><?xml version="1.0" encoding="utf-8"?>
 <p:sld xmlns:a="http://schemas.openxmlformats.org/drawingml/2006/main" xmlns:r="http://schemas.openxmlformats.org/officeDocument/2006/relationships" xmlns:p="http://schemas.openxmlformats.org/presentationml/2006/main">
   <p:cSld>
     <p:spTree>
@@ -21469,7 +21709,7 @@
             </a:pPr>
             <a:fld id="{00000000-1234-1234-1234-123412341234}" type="slidenum">
               <a:rPr lang="en"/>
-              <a:t>16</a:t>
+              <a:t>17</a:t>
             </a:fld>
             <a:endParaRPr/>
           </a:p>
@@ -21851,7 +22091,7 @@
 </p:sld>
 </file>
 
-<file path=ppt/slides/slide17.xml><?xml version="1.0" encoding="utf-8"?>
+<file path=ppt/slides/slide18.xml><?xml version="1.0" encoding="utf-8"?>
 <p:sld xmlns:a="http://schemas.openxmlformats.org/drawingml/2006/main" xmlns:r="http://schemas.openxmlformats.org/officeDocument/2006/relationships" xmlns:p="http://schemas.openxmlformats.org/presentationml/2006/main">
   <p:cSld>
     <p:spTree>
@@ -22000,7 +22240,7 @@
             </a:pPr>
             <a:fld id="{00000000-1234-1234-1234-123412341234}" type="slidenum">
               <a:rPr lang="en"/>
-              <a:t>17</a:t>
+              <a:t>18</a:t>
             </a:fld>
             <a:endParaRPr/>
           </a:p>
